--- a/lectures/week8/lecture3/slides/week8_lecture3.pptx
+++ b/lectures/week8/lecture3/slides/week8_lecture3.pptx
@@ -21448,12 +21448,8 @@
           <a:lstStyle/>
           <a:p>
             <a:r>
-              <a:rPr lang="en-CA"/>
-              <a:t>MIDTERM 2 </a:t>
-            </a:r>
-            <a:r>
               <a:rPr lang="en-CA" dirty="0"/>
-              <a:t>REVIEW</a:t>
+              <a:t>MIDTERM REVIEW</a:t>
             </a:r>
           </a:p>
         </p:txBody>
